--- a/progress/1.pptx
+++ b/progress/1.pptx
@@ -2918,6 +2918,72 @@
           </a:p>
         </p:txBody>
       </p:sp>
+      <p:sp>
+        <p:nvSpPr>
+          <p:cNvPr id="5" name="文本框 4"/>
+          <p:cNvSpPr txBox="1"/>
+          <p:nvPr/>
+        </p:nvSpPr>
+        <p:spPr>
+          <a:xfrm>
+            <a:off x="6607175" y="3790315"/>
+            <a:ext cx="5003165" cy="922020"/>
+          </a:xfrm>
+          <a:prstGeom prst="rect">
+            <a:avLst/>
+          </a:prstGeom>
+          <a:noFill/>
+        </p:spPr>
+        <p:txBody>
+          <a:bodyPr wrap="square" rtlCol="0">
+            <a:spAutoFit/>
+          </a:bodyPr>
+          <a:p>
+            <a:r>
+              <a:rPr lang="en-US" altLang="zh-CN"/>
+              <a:t>Moreover, we can do the node attack and the edge attack perhaps</a:t>
+            </a:r>
+            <a:r>
+              <a:rPr lang="en-US" altLang="zh-CN" b="1"/>
+              <a:t>( but do the edge attack first</a:t>
+            </a:r>
+            <a:endParaRPr lang="en-US" altLang="zh-CN" b="1"/>
+          </a:p>
+        </p:txBody>
+      </p:sp>
+      <p:sp>
+        <p:nvSpPr>
+          <p:cNvPr id="6" name="文本框 5"/>
+          <p:cNvSpPr txBox="1"/>
+          <p:nvPr/>
+        </p:nvSpPr>
+        <p:spPr>
+          <a:xfrm>
+            <a:off x="4968240" y="5435600"/>
+            <a:ext cx="4325620" cy="368300"/>
+          </a:xfrm>
+          <a:prstGeom prst="rect">
+            <a:avLst/>
+          </a:prstGeom>
+          <a:noFill/>
+        </p:spPr>
+        <p:txBody>
+          <a:bodyPr wrap="none" rtlCol="0">
+            <a:spAutoFit/>
+          </a:bodyPr>
+          <a:p>
+            <a:r>
+              <a:rPr lang="en-US" altLang="zh-CN"/>
+              <a:t>node attack: generator, costume, </a:t>
+            </a:r>
+            <a:r>
+              <a:rPr lang="zh-CN" altLang="en-US"/>
+              <a:t>变电站</a:t>
+            </a:r>
+            <a:endParaRPr lang="zh-CN" altLang="en-US"/>
+          </a:p>
+        </p:txBody>
+      </p:sp>
     </p:spTree>
   </p:cSld>
   <p:clrMapOvr>
@@ -3020,6 +3086,64 @@
             <a:r>
               <a:rPr lang="en-US" altLang="zh-CN"/>
               <a:t>the process of iteration. in the previous. the collase of each iteration will produce a graph. then for the recorver. the input is the collapse graph of each iteration, and output the recovererd graph.</a:t>
+            </a:r>
+            <a:endParaRPr lang="en-US" altLang="zh-CN"/>
+          </a:p>
+        </p:txBody>
+      </p:sp>
+      <p:sp>
+        <p:nvSpPr>
+          <p:cNvPr id="3" name="文本框 2"/>
+          <p:cNvSpPr txBox="1"/>
+          <p:nvPr/>
+        </p:nvSpPr>
+        <p:spPr>
+          <a:xfrm>
+            <a:off x="6646545" y="3395345"/>
+            <a:ext cx="4735830" cy="368300"/>
+          </a:xfrm>
+          <a:prstGeom prst="rect">
+            <a:avLst/>
+          </a:prstGeom>
+          <a:noFill/>
+        </p:spPr>
+        <p:txBody>
+          <a:bodyPr wrap="none" rtlCol="0">
+            <a:spAutoFit/>
+          </a:bodyPr>
+          <a:p>
+            <a:r>
+              <a:rPr lang="en-US" altLang="zh-CN"/>
+              <a:t>recorvery can't start from the begin of attack</a:t>
+            </a:r>
+            <a:endParaRPr lang="en-US" altLang="zh-CN"/>
+          </a:p>
+        </p:txBody>
+      </p:sp>
+      <p:sp>
+        <p:nvSpPr>
+          <p:cNvPr id="6" name="文本框 5"/>
+          <p:cNvSpPr txBox="1"/>
+          <p:nvPr/>
+        </p:nvSpPr>
+        <p:spPr>
+          <a:xfrm>
+            <a:off x="7436485" y="4366260"/>
+            <a:ext cx="2158365" cy="368300"/>
+          </a:xfrm>
+          <a:prstGeom prst="rect">
+            <a:avLst/>
+          </a:prstGeom>
+          <a:noFill/>
+        </p:spPr>
+        <p:txBody>
+          <a:bodyPr wrap="none" rtlCol="0">
+            <a:spAutoFit/>
+          </a:bodyPr>
+          <a:p>
+            <a:r>
+              <a:rPr lang="en-US" altLang="zh-CN"/>
+              <a:t>when start recorver</a:t>
             </a:r>
             <a:endParaRPr lang="en-US" altLang="zh-CN"/>
           </a:p>

--- a/progress/1.pptx
+++ b/progress/1.pptx
@@ -13,6 +13,9 @@
   </p:sldIdLst>
   <p:sldSz cx="12192000" cy="6858000"/>
   <p:notesSz cx="7103745" cy="10234295"/>
+  <p:custDataLst>
+    <p:tags r:id="rId11"/>
+  </p:custDataLst>
   <p:defaultTextStyle>
     <a:defPPr>
       <a:defRPr lang="zh-CN"/>
@@ -2359,7 +2362,7 @@
         <a:spcBef>
           <a:spcPts val="1000"/>
         </a:spcBef>
-        <a:buFont typeface="Arial" panose="020B0604020202090204" pitchFamily="34" charset="0"/>
+        <a:buFont typeface="Arial" panose="020B0604020202020204" pitchFamily="34" charset="0"/>
         <a:buChar char="•"/>
         <a:defRPr sz="2800" kern="1200">
           <a:solidFill>
@@ -2377,7 +2380,7 @@
         <a:spcBef>
           <a:spcPts val="500"/>
         </a:spcBef>
-        <a:buFont typeface="Arial" panose="020B0604020202090204" pitchFamily="34" charset="0"/>
+        <a:buFont typeface="Arial" panose="020B0604020202020204" pitchFamily="34" charset="0"/>
         <a:buChar char="•"/>
         <a:defRPr sz="2400" kern="1200">
           <a:solidFill>
@@ -2395,7 +2398,7 @@
         <a:spcBef>
           <a:spcPts val="500"/>
         </a:spcBef>
-        <a:buFont typeface="Arial" panose="020B0604020202090204" pitchFamily="34" charset="0"/>
+        <a:buFont typeface="Arial" panose="020B0604020202020204" pitchFamily="34" charset="0"/>
         <a:buChar char="•"/>
         <a:defRPr sz="2000" kern="1200">
           <a:solidFill>
@@ -2413,7 +2416,7 @@
         <a:spcBef>
           <a:spcPts val="500"/>
         </a:spcBef>
-        <a:buFont typeface="Arial" panose="020B0604020202090204" pitchFamily="34" charset="0"/>
+        <a:buFont typeface="Arial" panose="020B0604020202020204" pitchFamily="34" charset="0"/>
         <a:buChar char="•"/>
         <a:defRPr sz="1800" kern="1200">
           <a:solidFill>
@@ -2431,7 +2434,7 @@
         <a:spcBef>
           <a:spcPts val="500"/>
         </a:spcBef>
-        <a:buFont typeface="Arial" panose="020B0604020202090204" pitchFamily="34" charset="0"/>
+        <a:buFont typeface="Arial" panose="020B0604020202020204" pitchFamily="34" charset="0"/>
         <a:buChar char="•"/>
         <a:defRPr sz="1800" kern="1200">
           <a:solidFill>
@@ -2449,7 +2452,7 @@
         <a:spcBef>
           <a:spcPts val="500"/>
         </a:spcBef>
-        <a:buFont typeface="Arial" panose="020B0604020202090204" pitchFamily="34" charset="0"/>
+        <a:buFont typeface="Arial" panose="020B0604020202020204" pitchFamily="34" charset="0"/>
         <a:buChar char="•"/>
         <a:defRPr sz="1800" kern="1200">
           <a:solidFill>
@@ -2467,7 +2470,7 @@
         <a:spcBef>
           <a:spcPts val="500"/>
         </a:spcBef>
-        <a:buFont typeface="Arial" panose="020B0604020202090204" pitchFamily="34" charset="0"/>
+        <a:buFont typeface="Arial" panose="020B0604020202020204" pitchFamily="34" charset="0"/>
         <a:buChar char="•"/>
         <a:defRPr sz="1800" kern="1200">
           <a:solidFill>
@@ -2485,7 +2488,7 @@
         <a:spcBef>
           <a:spcPts val="500"/>
         </a:spcBef>
-        <a:buFont typeface="Arial" panose="020B0604020202090204" pitchFamily="34" charset="0"/>
+        <a:buFont typeface="Arial" panose="020B0604020202020204" pitchFamily="34" charset="0"/>
         <a:buChar char="•"/>
         <a:defRPr sz="1800" kern="1200">
           <a:solidFill>
@@ -2503,7 +2506,7 @@
         <a:spcBef>
           <a:spcPts val="500"/>
         </a:spcBef>
-        <a:buFont typeface="Arial" panose="020B0604020202090204" pitchFamily="34" charset="0"/>
+        <a:buFont typeface="Arial" panose="020B0604020202020204" pitchFamily="34" charset="0"/>
         <a:buChar char="•"/>
         <a:defRPr sz="1800" kern="1200">
           <a:solidFill>
@@ -2797,7 +2800,7 @@
         </p:nvSpPr>
         <p:spPr>
           <a:xfrm>
-            <a:off x="6794500" y="2227580"/>
+            <a:off x="6723380" y="2237740"/>
             <a:ext cx="4889500" cy="368300"/>
           </a:xfrm>
           <a:prstGeom prst="rect">
@@ -2912,7 +2915,17 @@
           <a:p>
             <a:r>
               <a:rPr lang="en-US" altLang="zh-CN"/>
-              <a:t>But, As far as I know, the collapse simulation is a process of iteration. For our paper, we can show this iteration process. This this is the original point of us</a:t>
+              <a:t>But, As</a:t>
+            </a:r>
+            <a:r>
+              <a:rPr lang="en-US" altLang="zh-CN">
+                <a:sym typeface="+mn-ea"/>
+              </a:rPr>
+              <a:t>iteration. For our paper, we can show this iteration process. This this is the original point of us</a:t>
+            </a:r>
+            <a:r>
+              <a:rPr lang="en-US" altLang="zh-CN"/>
+              <a:t> far as I know, the collapse simulation is a process of </a:t>
             </a:r>
             <a:endParaRPr lang="en-US" altLang="zh-CN"/>
           </a:p>
@@ -3208,7 +3221,7 @@
         <p:spPr>
           <a:xfrm>
             <a:off x="1776095" y="1240155"/>
-            <a:ext cx="7348855" cy="368300"/>
+            <a:ext cx="6710680" cy="362585"/>
           </a:xfrm>
           <a:prstGeom prst="rect">
             <a:avLst/>
@@ -3217,7 +3230,7 @@
         </p:spPr>
         <p:txBody>
           <a:bodyPr wrap="none" rtlCol="0">
-            <a:spAutoFit/>
+            <a:noAutofit/>
           </a:bodyPr>
           <a:p>
             <a:r>
@@ -3263,6 +3276,13 @@
     <a:masterClrMapping/>
   </p:clrMapOvr>
 </p:sld>
+</file>
+
+<file path=ppt/tags/tag1.xml><?xml version="1.0" encoding="utf-8"?>
+<p:tagLst xmlns:p="http://schemas.openxmlformats.org/presentationml/2006/main">
+  <p:tag name="KSO_WPP_MARK_KEY" val="78ab1912-a5df-41c9-b2e3-7b0404947de8"/>
+  <p:tag name="COMMONDATA" val="eyJoZGlkIjoiZTA2M2ZjYmE5MDUyZTVhZDkyMDdkNzRhNTJlYjUwMGYifQ=="/>
+</p:tagLst>
 </file>
 
 <file path=ppt/theme/theme1.xml><?xml version="1.0" encoding="utf-8"?>
